--- a/System Modelling and Controller Design.pptx
+++ b/System Modelling and Controller Design.pptx
@@ -7,6 +7,9 @@
   <p:sldIdLst>
     <p:sldId id="256" r:id="rId2"/>
     <p:sldId id="257" r:id="rId3"/>
+    <p:sldId id="258" r:id="rId4"/>
+    <p:sldId id="259" r:id="rId5"/>
+    <p:sldId id="260" r:id="rId6"/>
   </p:sldIdLst>
   <p:sldSz cx="12192000" cy="6858000"/>
   <p:notesSz cx="6858000" cy="9144000"/>
@@ -105,6 +108,11 @@
       </a:defRPr>
     </a:lvl9pPr>
   </p:defaultTextStyle>
+  <p:extLst>
+    <p:ext uri="{EFAFB233-063F-42B5-8137-9DF3F51BA10A}">
+      <p15:sldGuideLst xmlns:p15="http://schemas.microsoft.com/office/powerpoint/2012/main"/>
+    </p:ext>
+  </p:extLst>
 </p:presentation>
 </file>
 
@@ -257,7 +265,7 @@
           <a:p>
             <a:fld id="{7F996530-6EEC-44ED-9740-D69B82CD658D}" type="datetimeFigureOut">
               <a:rPr lang="en-GB" smtClean="0"/>
-              <a:t>16/05/2018</a:t>
+              <a:t>17/05/2018</a:t>
             </a:fld>
             <a:endParaRPr lang="en-GB"/>
           </a:p>
@@ -457,7 +465,7 @@
           <a:p>
             <a:fld id="{7F996530-6EEC-44ED-9740-D69B82CD658D}" type="datetimeFigureOut">
               <a:rPr lang="en-GB" smtClean="0"/>
-              <a:t>16/05/2018</a:t>
+              <a:t>17/05/2018</a:t>
             </a:fld>
             <a:endParaRPr lang="en-GB"/>
           </a:p>
@@ -667,7 +675,7 @@
           <a:p>
             <a:fld id="{7F996530-6EEC-44ED-9740-D69B82CD658D}" type="datetimeFigureOut">
               <a:rPr lang="en-GB" smtClean="0"/>
-              <a:t>16/05/2018</a:t>
+              <a:t>17/05/2018</a:t>
             </a:fld>
             <a:endParaRPr lang="en-GB"/>
           </a:p>
@@ -867,7 +875,7 @@
           <a:p>
             <a:fld id="{7F996530-6EEC-44ED-9740-D69B82CD658D}" type="datetimeFigureOut">
               <a:rPr lang="en-GB" smtClean="0"/>
-              <a:t>16/05/2018</a:t>
+              <a:t>17/05/2018</a:t>
             </a:fld>
             <a:endParaRPr lang="en-GB"/>
           </a:p>
@@ -1143,7 +1151,7 @@
           <a:p>
             <a:fld id="{7F996530-6EEC-44ED-9740-D69B82CD658D}" type="datetimeFigureOut">
               <a:rPr lang="en-GB" smtClean="0"/>
-              <a:t>16/05/2018</a:t>
+              <a:t>17/05/2018</a:t>
             </a:fld>
             <a:endParaRPr lang="en-GB"/>
           </a:p>
@@ -1411,7 +1419,7 @@
           <a:p>
             <a:fld id="{7F996530-6EEC-44ED-9740-D69B82CD658D}" type="datetimeFigureOut">
               <a:rPr lang="en-GB" smtClean="0"/>
-              <a:t>16/05/2018</a:t>
+              <a:t>17/05/2018</a:t>
             </a:fld>
             <a:endParaRPr lang="en-GB"/>
           </a:p>
@@ -1826,7 +1834,7 @@
           <a:p>
             <a:fld id="{7F996530-6EEC-44ED-9740-D69B82CD658D}" type="datetimeFigureOut">
               <a:rPr lang="en-GB" smtClean="0"/>
-              <a:t>16/05/2018</a:t>
+              <a:t>17/05/2018</a:t>
             </a:fld>
             <a:endParaRPr lang="en-GB"/>
           </a:p>
@@ -1968,7 +1976,7 @@
           <a:p>
             <a:fld id="{7F996530-6EEC-44ED-9740-D69B82CD658D}" type="datetimeFigureOut">
               <a:rPr lang="en-GB" smtClean="0"/>
-              <a:t>16/05/2018</a:t>
+              <a:t>17/05/2018</a:t>
             </a:fld>
             <a:endParaRPr lang="en-GB"/>
           </a:p>
@@ -2081,7 +2089,7 @@
           <a:p>
             <a:fld id="{7F996530-6EEC-44ED-9740-D69B82CD658D}" type="datetimeFigureOut">
               <a:rPr lang="en-GB" smtClean="0"/>
-              <a:t>16/05/2018</a:t>
+              <a:t>17/05/2018</a:t>
             </a:fld>
             <a:endParaRPr lang="en-GB"/>
           </a:p>
@@ -2394,7 +2402,7 @@
           <a:p>
             <a:fld id="{7F996530-6EEC-44ED-9740-D69B82CD658D}" type="datetimeFigureOut">
               <a:rPr lang="en-GB" smtClean="0"/>
-              <a:t>16/05/2018</a:t>
+              <a:t>17/05/2018</a:t>
             </a:fld>
             <a:endParaRPr lang="en-GB"/>
           </a:p>
@@ -2683,7 +2691,7 @@
           <a:p>
             <a:fld id="{7F996530-6EEC-44ED-9740-D69B82CD658D}" type="datetimeFigureOut">
               <a:rPr lang="en-GB" smtClean="0"/>
-              <a:t>16/05/2018</a:t>
+              <a:t>17/05/2018</a:t>
             </a:fld>
             <a:endParaRPr lang="en-GB"/>
           </a:p>
@@ -2947,7 +2955,7 @@
           <a:p>
             <a:fld id="{7F996530-6EEC-44ED-9740-D69B82CD658D}" type="datetimeFigureOut">
               <a:rPr lang="en-GB" smtClean="0"/>
-              <a:t>16/05/2018</a:t>
+              <a:t>17/05/2018</a:t>
             </a:fld>
             <a:endParaRPr lang="en-GB"/>
           </a:p>
@@ -3490,12 +3498,8 @@
           <a:lstStyle/>
           <a:p>
             <a:r>
-              <a:rPr lang="en-GB" sz="4800"/>
-              <a:t>Determine </a:t>
-            </a:r>
-            <a:r>
               <a:rPr lang="en-GB" sz="4800" dirty="0"/>
-              <a:t>the systems </a:t>
+              <a:t>Determine the systems </a:t>
             </a:r>
             <a:r>
               <a:rPr lang="en-GB" sz="4800" b="1" dirty="0"/>
@@ -3532,6 +3536,501 @@
     <p:extLst>
       <p:ext uri="{BB962C8B-B14F-4D97-AF65-F5344CB8AC3E}">
         <p14:creationId xmlns:p14="http://schemas.microsoft.com/office/powerpoint/2010/main" val="1465552819"/>
+      </p:ext>
+    </p:extLst>
+  </p:cSld>
+  <p:clrMapOvr>
+    <a:masterClrMapping/>
+  </p:clrMapOvr>
+</p:sld>
+</file>
+
+<file path=ppt/slides/slide3.xml><?xml version="1.0" encoding="utf-8"?>
+<p:sld xmlns:a="http://schemas.openxmlformats.org/drawingml/2006/main" xmlns:r="http://schemas.openxmlformats.org/officeDocument/2006/relationships" xmlns:p="http://schemas.openxmlformats.org/presentationml/2006/main">
+  <p:cSld>
+    <p:spTree>
+      <p:nvGrpSpPr>
+        <p:cNvPr id="1" name=""/>
+        <p:cNvGrpSpPr/>
+        <p:nvPr/>
+      </p:nvGrpSpPr>
+      <p:grpSpPr>
+        <a:xfrm>
+          <a:off x="0" y="0"/>
+          <a:ext cx="0" cy="0"/>
+          <a:chOff x="0" y="0"/>
+          <a:chExt cx="0" cy="0"/>
+        </a:xfrm>
+      </p:grpSpPr>
+      <p:sp>
+        <p:nvSpPr>
+          <p:cNvPr id="2" name="Title 1">
+            <a:extLst>
+              <a:ext uri="{FF2B5EF4-FFF2-40B4-BE49-F238E27FC236}">
+                <a16:creationId xmlns:a16="http://schemas.microsoft.com/office/drawing/2014/main" id="{D980A7BA-F947-401F-B91C-AA8E15BAD70C}"/>
+              </a:ext>
+            </a:extLst>
+          </p:cNvPr>
+          <p:cNvSpPr>
+            <a:spLocks noGrp="1"/>
+          </p:cNvSpPr>
+          <p:nvPr>
+            <p:ph type="title"/>
+          </p:nvPr>
+        </p:nvSpPr>
+        <p:spPr/>
+        <p:txBody>
+          <a:bodyPr>
+            <a:normAutofit/>
+          </a:bodyPr>
+          <a:lstStyle/>
+          <a:p>
+            <a:pPr algn="ctr"/>
+            <a:r>
+              <a:rPr lang="en-GB" sz="6000" b="1" dirty="0">
+                <a:latin typeface="Times New Roman" panose="02020603050405020304" pitchFamily="18" charset="0"/>
+                <a:cs typeface="Times New Roman" panose="02020603050405020304" pitchFamily="18" charset="0"/>
+              </a:rPr>
+              <a:t>What’s A Transfer Function ?</a:t>
+            </a:r>
+          </a:p>
+        </p:txBody>
+      </p:sp>
+      <p:sp>
+        <p:nvSpPr>
+          <p:cNvPr id="3" name="Content Placeholder 2">
+            <a:extLst>
+              <a:ext uri="{FF2B5EF4-FFF2-40B4-BE49-F238E27FC236}">
+                <a16:creationId xmlns:a16="http://schemas.microsoft.com/office/drawing/2014/main" id="{4A65A128-CD13-4A17-B7E6-1FFE14653881}"/>
+              </a:ext>
+            </a:extLst>
+          </p:cNvPr>
+          <p:cNvSpPr>
+            <a:spLocks noGrp="1"/>
+          </p:cNvSpPr>
+          <p:nvPr>
+            <p:ph idx="1"/>
+          </p:nvPr>
+        </p:nvSpPr>
+        <p:spPr/>
+        <p:txBody>
+          <a:bodyPr>
+            <a:normAutofit fontScale="92500"/>
+          </a:bodyPr>
+          <a:lstStyle/>
+          <a:p>
+            <a:r>
+              <a:rPr lang="en-GB" sz="4800" dirty="0"/>
+              <a:t>Simply put, a </a:t>
+            </a:r>
+            <a:r>
+              <a:rPr lang="en-GB" sz="4800" b="1" dirty="0"/>
+              <a:t>mathematical</a:t>
+            </a:r>
+            <a:r>
+              <a:rPr lang="en-GB" sz="4800" dirty="0"/>
+              <a:t> function relating the output or response of a system to the input or stimulus given to the system.</a:t>
+            </a:r>
+          </a:p>
+          <a:p>
+            <a:r>
+              <a:rPr lang="en-GB" sz="4800" dirty="0"/>
+              <a:t>In our case</a:t>
+            </a:r>
+            <a:r>
+              <a:rPr lang="en-GB" sz="4800" b="1" dirty="0"/>
+              <a:t>:</a:t>
+            </a:r>
+            <a:endParaRPr lang="en-GB" sz="4800" dirty="0"/>
+          </a:p>
+          <a:p>
+            <a:r>
+              <a:rPr lang="en-GB" sz="4800" b="1" dirty="0"/>
+              <a:t>Output</a:t>
+            </a:r>
+            <a:r>
+              <a:rPr lang="en-GB" sz="4800" dirty="0"/>
+              <a:t> = Velocity of wheels</a:t>
+            </a:r>
+          </a:p>
+          <a:p>
+            <a:r>
+              <a:rPr lang="en-GB" sz="4800" b="1" dirty="0"/>
+              <a:t>Input = </a:t>
+            </a:r>
+            <a:r>
+              <a:rPr lang="en-GB" sz="4800" dirty="0"/>
+              <a:t>PWM signal from the Arduino</a:t>
+            </a:r>
+          </a:p>
+        </p:txBody>
+      </p:sp>
+    </p:spTree>
+    <p:extLst>
+      <p:ext uri="{BB962C8B-B14F-4D97-AF65-F5344CB8AC3E}">
+        <p14:creationId xmlns:p14="http://schemas.microsoft.com/office/powerpoint/2010/main" val="3455492005"/>
+      </p:ext>
+    </p:extLst>
+  </p:cSld>
+  <p:clrMapOvr>
+    <a:masterClrMapping/>
+  </p:clrMapOvr>
+</p:sld>
+</file>
+
+<file path=ppt/slides/slide4.xml><?xml version="1.0" encoding="utf-8"?>
+<p:sld xmlns:a="http://schemas.openxmlformats.org/drawingml/2006/main" xmlns:r="http://schemas.openxmlformats.org/officeDocument/2006/relationships" xmlns:p="http://schemas.openxmlformats.org/presentationml/2006/main">
+  <p:cSld>
+    <p:spTree>
+      <p:nvGrpSpPr>
+        <p:cNvPr id="1" name=""/>
+        <p:cNvGrpSpPr/>
+        <p:nvPr/>
+      </p:nvGrpSpPr>
+      <p:grpSpPr>
+        <a:xfrm>
+          <a:off x="0" y="0"/>
+          <a:ext cx="0" cy="0"/>
+          <a:chOff x="0" y="0"/>
+          <a:chExt cx="0" cy="0"/>
+        </a:xfrm>
+      </p:grpSpPr>
+      <p:sp>
+        <p:nvSpPr>
+          <p:cNvPr id="2" name="Title 1">
+            <a:extLst>
+              <a:ext uri="{FF2B5EF4-FFF2-40B4-BE49-F238E27FC236}">
+                <a16:creationId xmlns:a16="http://schemas.microsoft.com/office/drawing/2014/main" id="{5F0C09EE-93C8-40F4-A0BE-F78CA6A553E5}"/>
+              </a:ext>
+            </a:extLst>
+          </p:cNvPr>
+          <p:cNvSpPr>
+            <a:spLocks noGrp="1"/>
+          </p:cNvSpPr>
+          <p:nvPr>
+            <p:ph type="title"/>
+          </p:nvPr>
+        </p:nvSpPr>
+        <p:spPr>
+          <a:xfrm>
+            <a:off x="354169" y="365125"/>
+            <a:ext cx="11483662" cy="1325563"/>
+          </a:xfrm>
+        </p:spPr>
+        <p:txBody>
+          <a:bodyPr/>
+          <a:lstStyle/>
+          <a:p>
+            <a:pPr algn="ctr"/>
+            <a:r>
+              <a:rPr lang="en-GB" b="1" dirty="0">
+                <a:latin typeface="Times New Roman" panose="02020603050405020304" pitchFamily="18" charset="0"/>
+                <a:cs typeface="Times New Roman" panose="02020603050405020304" pitchFamily="18" charset="0"/>
+              </a:rPr>
+              <a:t>So….How Do We Get The Transfer Function?</a:t>
+            </a:r>
+          </a:p>
+        </p:txBody>
+      </p:sp>
+      <p:sp>
+        <p:nvSpPr>
+          <p:cNvPr id="3" name="Content Placeholder 2">
+            <a:extLst>
+              <a:ext uri="{FF2B5EF4-FFF2-40B4-BE49-F238E27FC236}">
+                <a16:creationId xmlns:a16="http://schemas.microsoft.com/office/drawing/2014/main" id="{A801E6F6-5493-4830-92E0-E04E941C90F5}"/>
+              </a:ext>
+            </a:extLst>
+          </p:cNvPr>
+          <p:cNvSpPr>
+            <a:spLocks noGrp="1"/>
+          </p:cNvSpPr>
+          <p:nvPr>
+            <p:ph idx="1"/>
+          </p:nvPr>
+        </p:nvSpPr>
+        <p:spPr>
+          <a:xfrm>
+            <a:off x="201263" y="1429556"/>
+            <a:ext cx="11990737" cy="5331852"/>
+          </a:xfrm>
+        </p:spPr>
+        <p:txBody>
+          <a:bodyPr>
+            <a:normAutofit fontScale="92500" lnSpcReduction="10000"/>
+          </a:bodyPr>
+          <a:lstStyle/>
+          <a:p>
+            <a:r>
+              <a:rPr lang="en-GB" sz="4800" dirty="0"/>
+              <a:t>Ideally… through some unpleasant maths….</a:t>
+            </a:r>
+          </a:p>
+          <a:p>
+            <a:endParaRPr lang="en-GB" sz="4800" dirty="0"/>
+          </a:p>
+          <a:p>
+            <a:endParaRPr lang="en-GB" sz="4800" dirty="0"/>
+          </a:p>
+          <a:p>
+            <a:endParaRPr lang="en-GB" sz="4800" dirty="0"/>
+          </a:p>
+          <a:p>
+            <a:endParaRPr lang="en-GB" sz="4800" dirty="0"/>
+          </a:p>
+          <a:p>
+            <a:r>
+              <a:rPr lang="en-GB" sz="4800" dirty="0"/>
+              <a:t>And that’s with ignoring the chassis and the whole PWM thing ….</a:t>
+            </a:r>
+          </a:p>
+          <a:p>
+            <a:pPr marL="0" indent="0">
+              <a:buNone/>
+            </a:pPr>
+            <a:r>
+              <a:rPr lang="en-GB" sz="4800" b="1" u="sng" dirty="0">
+                <a:solidFill>
+                  <a:srgbClr val="FF0000"/>
+                </a:solidFill>
+              </a:rPr>
+              <a:t>But I Wont Be Doing That</a:t>
+            </a:r>
+          </a:p>
+        </p:txBody>
+      </p:sp>
+      <p:pic>
+        <p:nvPicPr>
+          <p:cNvPr id="4" name="Picture 3">
+            <a:extLst>
+              <a:ext uri="{FF2B5EF4-FFF2-40B4-BE49-F238E27FC236}">
+                <a16:creationId xmlns:a16="http://schemas.microsoft.com/office/drawing/2014/main" id="{570F0AD6-ABE7-4E65-8E56-D6DB22E78C19}"/>
+              </a:ext>
+            </a:extLst>
+          </p:cNvPr>
+          <p:cNvPicPr>
+            <a:picLocks noChangeAspect="1"/>
+          </p:cNvPicPr>
+          <p:nvPr/>
+        </p:nvPicPr>
+        <p:blipFill rotWithShape="1">
+          <a:blip r:embed="rId2"/>
+          <a:srcRect l="48274" t="26609" r="39472" b="61884"/>
+          <a:stretch/>
+        </p:blipFill>
+        <p:spPr>
+          <a:xfrm>
+            <a:off x="3864611" y="2559719"/>
+            <a:ext cx="2933099" cy="1548641"/>
+          </a:xfrm>
+          <a:prstGeom prst="rect">
+            <a:avLst/>
+          </a:prstGeom>
+        </p:spPr>
+      </p:pic>
+      <p:pic>
+        <p:nvPicPr>
+          <p:cNvPr id="5" name="Picture 4">
+            <a:extLst>
+              <a:ext uri="{FF2B5EF4-FFF2-40B4-BE49-F238E27FC236}">
+                <a16:creationId xmlns:a16="http://schemas.microsoft.com/office/drawing/2014/main" id="{42362653-1ED8-412C-A9A1-8F9283440FBC}"/>
+              </a:ext>
+            </a:extLst>
+          </p:cNvPr>
+          <p:cNvPicPr>
+            <a:picLocks noChangeAspect="1"/>
+          </p:cNvPicPr>
+          <p:nvPr/>
+        </p:nvPicPr>
+        <p:blipFill rotWithShape="1">
+          <a:blip r:embed="rId2"/>
+          <a:srcRect l="46690" t="48075" r="37782" b="43847"/>
+          <a:stretch/>
+        </p:blipFill>
+        <p:spPr>
+          <a:xfrm>
+            <a:off x="6797710" y="2559719"/>
+            <a:ext cx="3596492" cy="1052032"/>
+          </a:xfrm>
+          <a:prstGeom prst="rect">
+            <a:avLst/>
+          </a:prstGeom>
+        </p:spPr>
+      </p:pic>
+      <p:pic>
+        <p:nvPicPr>
+          <p:cNvPr id="6" name="Picture 5">
+            <a:extLst>
+              <a:ext uri="{FF2B5EF4-FFF2-40B4-BE49-F238E27FC236}">
+                <a16:creationId xmlns:a16="http://schemas.microsoft.com/office/drawing/2014/main" id="{7E46BCD7-D242-4823-B189-A34A2806D65A}"/>
+              </a:ext>
+            </a:extLst>
+          </p:cNvPr>
+          <p:cNvPicPr>
+            <a:picLocks noChangeAspect="1"/>
+          </p:cNvPicPr>
+          <p:nvPr/>
+        </p:nvPicPr>
+        <p:blipFill rotWithShape="1">
+          <a:blip r:embed="rId2"/>
+          <a:srcRect l="41654" t="63376" r="32269" b="27578"/>
+          <a:stretch/>
+        </p:blipFill>
+        <p:spPr>
+          <a:xfrm>
+            <a:off x="6797710" y="3611751"/>
+            <a:ext cx="5394290" cy="1052032"/>
+          </a:xfrm>
+          <a:prstGeom prst="rect">
+            <a:avLst/>
+          </a:prstGeom>
+        </p:spPr>
+      </p:pic>
+      <p:pic>
+        <p:nvPicPr>
+          <p:cNvPr id="7" name="Picture 6">
+            <a:extLst>
+              <a:ext uri="{FF2B5EF4-FFF2-40B4-BE49-F238E27FC236}">
+                <a16:creationId xmlns:a16="http://schemas.microsoft.com/office/drawing/2014/main" id="{FABEA9ED-A07F-433A-85E0-576743227FFB}"/>
+              </a:ext>
+            </a:extLst>
+          </p:cNvPr>
+          <p:cNvPicPr>
+            <a:picLocks noChangeAspect="1"/>
+          </p:cNvPicPr>
+          <p:nvPr/>
+        </p:nvPicPr>
+        <p:blipFill rotWithShape="1">
+          <a:blip r:embed="rId3"/>
+          <a:srcRect l="39824" t="21019" r="29859" b="43095"/>
+          <a:stretch/>
+        </p:blipFill>
+        <p:spPr>
+          <a:xfrm>
+            <a:off x="201263" y="2104106"/>
+            <a:ext cx="3696238" cy="2459865"/>
+          </a:xfrm>
+          <a:prstGeom prst="rect">
+            <a:avLst/>
+          </a:prstGeom>
+        </p:spPr>
+      </p:pic>
+    </p:spTree>
+    <p:extLst>
+      <p:ext uri="{BB962C8B-B14F-4D97-AF65-F5344CB8AC3E}">
+        <p14:creationId xmlns:p14="http://schemas.microsoft.com/office/powerpoint/2010/main" val="815908699"/>
+      </p:ext>
+    </p:extLst>
+  </p:cSld>
+  <p:clrMapOvr>
+    <a:masterClrMapping/>
+  </p:clrMapOvr>
+</p:sld>
+</file>
+
+<file path=ppt/slides/slide5.xml><?xml version="1.0" encoding="utf-8"?>
+<p:sld xmlns:a="http://schemas.openxmlformats.org/drawingml/2006/main" xmlns:r="http://schemas.openxmlformats.org/officeDocument/2006/relationships" xmlns:p="http://schemas.openxmlformats.org/presentationml/2006/main">
+  <p:cSld>
+    <p:spTree>
+      <p:nvGrpSpPr>
+        <p:cNvPr id="1" name=""/>
+        <p:cNvGrpSpPr/>
+        <p:nvPr/>
+      </p:nvGrpSpPr>
+      <p:grpSpPr>
+        <a:xfrm>
+          <a:off x="0" y="0"/>
+          <a:ext cx="0" cy="0"/>
+          <a:chOff x="0" y="0"/>
+          <a:chExt cx="0" cy="0"/>
+        </a:xfrm>
+      </p:grpSpPr>
+      <p:sp>
+        <p:nvSpPr>
+          <p:cNvPr id="2" name="Title 1">
+            <a:extLst>
+              <a:ext uri="{FF2B5EF4-FFF2-40B4-BE49-F238E27FC236}">
+                <a16:creationId xmlns:a16="http://schemas.microsoft.com/office/drawing/2014/main" id="{E9924663-8462-4F7E-AA06-01DCBF9F8442}"/>
+              </a:ext>
+            </a:extLst>
+          </p:cNvPr>
+          <p:cNvSpPr>
+            <a:spLocks noGrp="1"/>
+          </p:cNvSpPr>
+          <p:nvPr>
+            <p:ph type="title"/>
+          </p:nvPr>
+        </p:nvSpPr>
+        <p:spPr/>
+        <p:txBody>
+          <a:bodyPr>
+            <a:normAutofit/>
+          </a:bodyPr>
+          <a:lstStyle/>
+          <a:p>
+            <a:pPr algn="ctr"/>
+            <a:r>
+              <a:rPr lang="en-GB" sz="6000" b="1" dirty="0"/>
+              <a:t>Yep….We Let It Spin!</a:t>
+            </a:r>
+          </a:p>
+        </p:txBody>
+      </p:sp>
+      <p:sp>
+        <p:nvSpPr>
+          <p:cNvPr id="3" name="Content Placeholder 2">
+            <a:extLst>
+              <a:ext uri="{FF2B5EF4-FFF2-40B4-BE49-F238E27FC236}">
+                <a16:creationId xmlns:a16="http://schemas.microsoft.com/office/drawing/2014/main" id="{480A7DFD-FDC7-414A-85E3-6987DDB7E90F}"/>
+              </a:ext>
+            </a:extLst>
+          </p:cNvPr>
+          <p:cNvSpPr>
+            <a:spLocks noGrp="1"/>
+          </p:cNvSpPr>
+          <p:nvPr>
+            <p:ph idx="1"/>
+          </p:nvPr>
+        </p:nvSpPr>
+        <p:spPr/>
+        <p:txBody>
+          <a:bodyPr/>
+          <a:lstStyle/>
+          <a:p>
+            <a:r>
+              <a:rPr lang="en-GB" sz="4800" dirty="0"/>
+              <a:t>Ask yourself this:</a:t>
+            </a:r>
+          </a:p>
+          <a:p>
+            <a:r>
+              <a:rPr lang="en-GB" sz="4800" dirty="0"/>
+              <a:t> what IS spinning really ?  </a:t>
+            </a:r>
+          </a:p>
+          <a:p>
+            <a:r>
+              <a:rPr lang="en-GB" sz="4800" dirty="0"/>
+              <a:t>what are we trying to measure ? and</a:t>
+            </a:r>
+          </a:p>
+          <a:p>
+            <a:r>
+              <a:rPr lang="en-GB" sz="4800" dirty="0"/>
+              <a:t> what was a transfer function again?</a:t>
+            </a:r>
+          </a:p>
+          <a:p>
+            <a:endParaRPr lang="en-GB" dirty="0"/>
+          </a:p>
+          <a:p>
+            <a:endParaRPr lang="en-GB" dirty="0"/>
+          </a:p>
+        </p:txBody>
+      </p:sp>
+    </p:spTree>
+    <p:extLst>
+      <p:ext uri="{BB962C8B-B14F-4D97-AF65-F5344CB8AC3E}">
+        <p14:creationId xmlns:p14="http://schemas.microsoft.com/office/powerpoint/2010/main" val="4109969030"/>
       </p:ext>
     </p:extLst>
   </p:cSld>

--- a/System Modelling and Controller Design.pptx
+++ b/System Modelling and Controller Design.pptx
@@ -10,6 +10,8 @@
     <p:sldId id="258" r:id="rId4"/>
     <p:sldId id="259" r:id="rId5"/>
     <p:sldId id="260" r:id="rId6"/>
+    <p:sldId id="261" r:id="rId7"/>
+    <p:sldId id="262" r:id="rId8"/>
   </p:sldIdLst>
   <p:sldSz cx="12192000" cy="6858000"/>
   <p:notesSz cx="6858000" cy="9144000"/>
@@ -265,7 +267,7 @@
           <a:p>
             <a:fld id="{7F996530-6EEC-44ED-9740-D69B82CD658D}" type="datetimeFigureOut">
               <a:rPr lang="en-GB" smtClean="0"/>
-              <a:t>17/05/2018</a:t>
+              <a:t>20/06/2019</a:t>
             </a:fld>
             <a:endParaRPr lang="en-GB"/>
           </a:p>
@@ -465,7 +467,7 @@
           <a:p>
             <a:fld id="{7F996530-6EEC-44ED-9740-D69B82CD658D}" type="datetimeFigureOut">
               <a:rPr lang="en-GB" smtClean="0"/>
-              <a:t>17/05/2018</a:t>
+              <a:t>20/06/2019</a:t>
             </a:fld>
             <a:endParaRPr lang="en-GB"/>
           </a:p>
@@ -675,7 +677,7 @@
           <a:p>
             <a:fld id="{7F996530-6EEC-44ED-9740-D69B82CD658D}" type="datetimeFigureOut">
               <a:rPr lang="en-GB" smtClean="0"/>
-              <a:t>17/05/2018</a:t>
+              <a:t>20/06/2019</a:t>
             </a:fld>
             <a:endParaRPr lang="en-GB"/>
           </a:p>
@@ -875,7 +877,7 @@
           <a:p>
             <a:fld id="{7F996530-6EEC-44ED-9740-D69B82CD658D}" type="datetimeFigureOut">
               <a:rPr lang="en-GB" smtClean="0"/>
-              <a:t>17/05/2018</a:t>
+              <a:t>20/06/2019</a:t>
             </a:fld>
             <a:endParaRPr lang="en-GB"/>
           </a:p>
@@ -1151,7 +1153,7 @@
           <a:p>
             <a:fld id="{7F996530-6EEC-44ED-9740-D69B82CD658D}" type="datetimeFigureOut">
               <a:rPr lang="en-GB" smtClean="0"/>
-              <a:t>17/05/2018</a:t>
+              <a:t>20/06/2019</a:t>
             </a:fld>
             <a:endParaRPr lang="en-GB"/>
           </a:p>
@@ -1419,7 +1421,7 @@
           <a:p>
             <a:fld id="{7F996530-6EEC-44ED-9740-D69B82CD658D}" type="datetimeFigureOut">
               <a:rPr lang="en-GB" smtClean="0"/>
-              <a:t>17/05/2018</a:t>
+              <a:t>20/06/2019</a:t>
             </a:fld>
             <a:endParaRPr lang="en-GB"/>
           </a:p>
@@ -1834,7 +1836,7 @@
           <a:p>
             <a:fld id="{7F996530-6EEC-44ED-9740-D69B82CD658D}" type="datetimeFigureOut">
               <a:rPr lang="en-GB" smtClean="0"/>
-              <a:t>17/05/2018</a:t>
+              <a:t>20/06/2019</a:t>
             </a:fld>
             <a:endParaRPr lang="en-GB"/>
           </a:p>
@@ -1976,7 +1978,7 @@
           <a:p>
             <a:fld id="{7F996530-6EEC-44ED-9740-D69B82CD658D}" type="datetimeFigureOut">
               <a:rPr lang="en-GB" smtClean="0"/>
-              <a:t>17/05/2018</a:t>
+              <a:t>20/06/2019</a:t>
             </a:fld>
             <a:endParaRPr lang="en-GB"/>
           </a:p>
@@ -2089,7 +2091,7 @@
           <a:p>
             <a:fld id="{7F996530-6EEC-44ED-9740-D69B82CD658D}" type="datetimeFigureOut">
               <a:rPr lang="en-GB" smtClean="0"/>
-              <a:t>17/05/2018</a:t>
+              <a:t>20/06/2019</a:t>
             </a:fld>
             <a:endParaRPr lang="en-GB"/>
           </a:p>
@@ -2402,7 +2404,7 @@
           <a:p>
             <a:fld id="{7F996530-6EEC-44ED-9740-D69B82CD658D}" type="datetimeFigureOut">
               <a:rPr lang="en-GB" smtClean="0"/>
-              <a:t>17/05/2018</a:t>
+              <a:t>20/06/2019</a:t>
             </a:fld>
             <a:endParaRPr lang="en-GB"/>
           </a:p>
@@ -2691,7 +2693,7 @@
           <a:p>
             <a:fld id="{7F996530-6EEC-44ED-9740-D69B82CD658D}" type="datetimeFigureOut">
               <a:rPr lang="en-GB" smtClean="0"/>
-              <a:t>17/05/2018</a:t>
+              <a:t>20/06/2019</a:t>
             </a:fld>
             <a:endParaRPr lang="en-GB"/>
           </a:p>
@@ -2955,7 +2957,7 @@
           <a:p>
             <a:fld id="{7F996530-6EEC-44ED-9740-D69B82CD658D}" type="datetimeFigureOut">
               <a:rPr lang="en-GB" smtClean="0"/>
-              <a:t>17/05/2018</a:t>
+              <a:t>20/06/2019</a:t>
             </a:fld>
             <a:endParaRPr lang="en-GB"/>
           </a:p>
@@ -4040,6 +4042,193 @@
 </p:sld>
 </file>
 
+<file path=ppt/slides/slide6.xml><?xml version="1.0" encoding="utf-8"?>
+<p:sld xmlns:a="http://schemas.openxmlformats.org/drawingml/2006/main" xmlns:r="http://schemas.openxmlformats.org/officeDocument/2006/relationships" xmlns:p="http://schemas.openxmlformats.org/presentationml/2006/main">
+  <p:cSld>
+    <p:spTree>
+      <p:nvGrpSpPr>
+        <p:cNvPr id="1" name=""/>
+        <p:cNvGrpSpPr/>
+        <p:nvPr/>
+      </p:nvGrpSpPr>
+      <p:grpSpPr>
+        <a:xfrm>
+          <a:off x="0" y="0"/>
+          <a:ext cx="0" cy="0"/>
+          <a:chOff x="0" y="0"/>
+          <a:chExt cx="0" cy="0"/>
+        </a:xfrm>
+      </p:grpSpPr>
+      <p:sp>
+        <p:nvSpPr>
+          <p:cNvPr id="2" name="Title 1">
+            <a:extLst>
+              <a:ext uri="{FF2B5EF4-FFF2-40B4-BE49-F238E27FC236}">
+                <a16:creationId xmlns:a16="http://schemas.microsoft.com/office/drawing/2014/main" id="{00BC8319-17F9-4B75-8DF7-CC3945911644}"/>
+              </a:ext>
+            </a:extLst>
+          </p:cNvPr>
+          <p:cNvSpPr>
+            <a:spLocks noGrp="1"/>
+          </p:cNvSpPr>
+          <p:nvPr>
+            <p:ph type="title"/>
+          </p:nvPr>
+        </p:nvSpPr>
+        <p:spPr/>
+        <p:txBody>
+          <a:bodyPr/>
+          <a:lstStyle/>
+          <a:p>
+            <a:pPr algn="ctr"/>
+            <a:r>
+              <a:rPr lang="en-GB" b="1" dirty="0"/>
+              <a:t>Control design and Implementation</a:t>
+            </a:r>
+          </a:p>
+        </p:txBody>
+      </p:sp>
+      <p:pic>
+        <p:nvPicPr>
+          <p:cNvPr id="5" name="Content Placeholder 4" descr="A close up of a map&#10;&#10;Description automatically generated">
+            <a:extLst>
+              <a:ext uri="{FF2B5EF4-FFF2-40B4-BE49-F238E27FC236}">
+                <a16:creationId xmlns:a16="http://schemas.microsoft.com/office/drawing/2014/main" id="{D58ABFD2-B233-4AB0-A481-8358E0BC1EAD}"/>
+              </a:ext>
+            </a:extLst>
+          </p:cNvPr>
+          <p:cNvPicPr>
+            <a:picLocks noGrp="1" noChangeAspect="1"/>
+          </p:cNvPicPr>
+          <p:nvPr>
+            <p:ph idx="1"/>
+          </p:nvPr>
+        </p:nvPicPr>
+        <p:blipFill>
+          <a:blip r:embed="rId2">
+            <a:extLst>
+              <a:ext uri="{28A0092B-C50C-407E-A947-70E740481C1C}">
+                <a14:useLocalDpi xmlns:a14="http://schemas.microsoft.com/office/drawing/2010/main" val="0"/>
+              </a:ext>
+            </a:extLst>
+          </a:blip>
+          <a:stretch>
+            <a:fillRect/>
+          </a:stretch>
+        </p:blipFill>
+        <p:spPr>
+          <a:xfrm>
+            <a:off x="687622" y="1485990"/>
+            <a:ext cx="10816755" cy="5202193"/>
+          </a:xfrm>
+        </p:spPr>
+      </p:pic>
+    </p:spTree>
+    <p:extLst>
+      <p:ext uri="{BB962C8B-B14F-4D97-AF65-F5344CB8AC3E}">
+        <p14:creationId xmlns:p14="http://schemas.microsoft.com/office/powerpoint/2010/main" val="1991078759"/>
+      </p:ext>
+    </p:extLst>
+  </p:cSld>
+  <p:clrMapOvr>
+    <a:masterClrMapping/>
+  </p:clrMapOvr>
+</p:sld>
+</file>
+
+<file path=ppt/slides/slide7.xml><?xml version="1.0" encoding="utf-8"?>
+<p:sld xmlns:a="http://schemas.openxmlformats.org/drawingml/2006/main" xmlns:r="http://schemas.openxmlformats.org/officeDocument/2006/relationships" xmlns:p="http://schemas.openxmlformats.org/presentationml/2006/main">
+  <p:cSld>
+    <p:spTree>
+      <p:nvGrpSpPr>
+        <p:cNvPr id="1" name=""/>
+        <p:cNvGrpSpPr/>
+        <p:nvPr/>
+      </p:nvGrpSpPr>
+      <p:grpSpPr>
+        <a:xfrm>
+          <a:off x="0" y="0"/>
+          <a:ext cx="0" cy="0"/>
+          <a:chOff x="0" y="0"/>
+          <a:chExt cx="0" cy="0"/>
+        </a:xfrm>
+      </p:grpSpPr>
+      <p:sp>
+        <p:nvSpPr>
+          <p:cNvPr id="2" name="Title 1">
+            <a:extLst>
+              <a:ext uri="{FF2B5EF4-FFF2-40B4-BE49-F238E27FC236}">
+                <a16:creationId xmlns:a16="http://schemas.microsoft.com/office/drawing/2014/main" id="{4BE4F755-B6F9-414C-8978-C77021C77794}"/>
+              </a:ext>
+            </a:extLst>
+          </p:cNvPr>
+          <p:cNvSpPr>
+            <a:spLocks noGrp="1"/>
+          </p:cNvSpPr>
+          <p:nvPr>
+            <p:ph type="title"/>
+          </p:nvPr>
+        </p:nvSpPr>
+        <p:spPr/>
+        <p:txBody>
+          <a:bodyPr/>
+          <a:lstStyle/>
+          <a:p>
+            <a:pPr algn="ctr"/>
+            <a:r>
+              <a:rPr lang="en-GB" b="1" dirty="0"/>
+              <a:t>New Model</a:t>
+            </a:r>
+          </a:p>
+        </p:txBody>
+      </p:sp>
+      <p:pic>
+        <p:nvPicPr>
+          <p:cNvPr id="5" name="Content Placeholder 4" descr="A close up of a computer&#10;&#10;Description automatically generated">
+            <a:extLst>
+              <a:ext uri="{FF2B5EF4-FFF2-40B4-BE49-F238E27FC236}">
+                <a16:creationId xmlns:a16="http://schemas.microsoft.com/office/drawing/2014/main" id="{500C2A87-DA68-4926-85E7-3792419EE78A}"/>
+              </a:ext>
+            </a:extLst>
+          </p:cNvPr>
+          <p:cNvPicPr>
+            <a:picLocks noGrp="1" noChangeAspect="1"/>
+          </p:cNvPicPr>
+          <p:nvPr>
+            <p:ph idx="1"/>
+          </p:nvPr>
+        </p:nvPicPr>
+        <p:blipFill rotWithShape="1">
+          <a:blip r:embed="rId2">
+            <a:extLst>
+              <a:ext uri="{28A0092B-C50C-407E-A947-70E740481C1C}">
+                <a14:useLocalDpi xmlns:a14="http://schemas.microsoft.com/office/drawing/2010/main" val="0"/>
+              </a:ext>
+            </a:extLst>
+          </a:blip>
+          <a:srcRect r="28878" b="8434"/>
+          <a:stretch/>
+        </p:blipFill>
+        <p:spPr>
+          <a:xfrm>
+            <a:off x="1744661" y="1420838"/>
+            <a:ext cx="8446435" cy="5437162"/>
+          </a:xfrm>
+        </p:spPr>
+      </p:pic>
+    </p:spTree>
+    <p:extLst>
+      <p:ext uri="{BB962C8B-B14F-4D97-AF65-F5344CB8AC3E}">
+        <p14:creationId xmlns:p14="http://schemas.microsoft.com/office/powerpoint/2010/main" val="2808596670"/>
+      </p:ext>
+    </p:extLst>
+  </p:cSld>
+  <p:clrMapOvr>
+    <a:masterClrMapping/>
+  </p:clrMapOvr>
+</p:sld>
+</file>
+
 <file path=ppt/theme/theme1.xml><?xml version="1.0" encoding="utf-8"?>
 <a:theme xmlns:a="http://schemas.openxmlformats.org/drawingml/2006/main" name="Office Theme">
   <a:themeElements>
